--- a/122/NETCONF/draft-netana-netconf-notif-envelope-03.pptx
+++ b/122/NETCONF/draft-netana-netconf-notif-envelope-03.pptx
@@ -25997,7 +25997,7 @@
                 <a:cs typeface="Calibri"/>
                 <a:sym typeface="Calibri"/>
               </a:rPr>
-              <a:t>WGLC ending March 6th</a:t>
+              <a:t>WG Adoption Call ends on March 7th</a:t>
             </a:r>
             <a:endParaRPr sz="1800">
               <a:solidFill>
@@ -26566,7 +26566,7 @@
                 <a:cs typeface="Calibri"/>
                 <a:sym typeface="Calibri"/>
               </a:rPr>
-              <a:t>Initial proposal was centralizing requests via an RCP call</a:t>
+              <a:t>Initial proposal was centralizing requests via an RPC call</a:t>
             </a:r>
             <a:endParaRPr sz="1900">
               <a:solidFill>
@@ -28265,7 +28265,7 @@
                 <a:cs typeface="Calibri"/>
                 <a:sym typeface="Calibri"/>
               </a:rPr>
-              <a:t>Request feedback/comments from the WG</a:t>
+              <a:t>Ready for WG Last Call</a:t>
             </a:r>
             <a:endParaRPr sz="1900">
               <a:solidFill>

--- a/122/NETCONF/draft-netana-netconf-notif-envelope-03.pptx
+++ b/122/NETCONF/draft-netana-netconf-notif-envelope-03.pptx
@@ -17008,7 +17008,7 @@
                 <a:cs typeface="Calibri"/>
                 <a:sym typeface="Calibri"/>
               </a:rPr>
-              <a:t>I-D: draft-netana-netconf-notif-envelope-02/03</a:t>
+              <a:t>I-D: draft-netana-netconf-notif-envelope-02</a:t>
             </a:r>
             <a:endParaRPr sz="2800">
               <a:solidFill>
@@ -17021,7 +17021,7 @@
             </a:endParaRPr>
           </a:p>
           <a:p>
-            <a:pPr indent="0" lvl="0" marL="0" marR="0" rtl="0" algn="l">
+            <a:pPr indent="0" lvl="0" marL="0" rtl="0" algn="l">
               <a:lnSpc>
                 <a:spcPct val="90000"/>
               </a:lnSpc>
@@ -17039,7 +17039,16 @@
               <a:buNone/>
             </a:pPr>
             <a:r>
-              <a:t/>
+              <a:rPr lang="de-CH" sz="2800">
+                <a:solidFill>
+                  <a:srgbClr val="888888"/>
+                </a:solidFill>
+                <a:latin typeface="Calibri"/>
+                <a:ea typeface="Calibri"/>
+                <a:cs typeface="Calibri"/>
+                <a:sym typeface="Calibri"/>
+              </a:rPr>
+              <a:t>I-D: draft-ietf-netconf-notif-envelope-00/01</a:t>
             </a:r>
             <a:endParaRPr sz="2800" strike="sngStrike">
               <a:solidFill>
@@ -25997,7 +26006,31 @@
                 <a:cs typeface="Calibri"/>
                 <a:sym typeface="Calibri"/>
               </a:rPr>
-              <a:t>WG Adoption Call ends on March 7th</a:t>
+              <a:t>WG Adoption Call ends on March 7th (</a:t>
+            </a:r>
+            <a:r>
+              <a:rPr b="1" lang="de-CH" sz="1800">
+                <a:solidFill>
+                  <a:srgbClr val="FF0000"/>
+                </a:solidFill>
+                <a:latin typeface="Calibri"/>
+                <a:ea typeface="Calibri"/>
+                <a:cs typeface="Calibri"/>
+                <a:sym typeface="Calibri"/>
+              </a:rPr>
+              <a:t>successfully adopted</a:t>
+            </a:r>
+            <a:r>
+              <a:rPr lang="de-CH" sz="1800">
+                <a:solidFill>
+                  <a:schemeClr val="dk1"/>
+                </a:solidFill>
+                <a:latin typeface="Calibri"/>
+                <a:ea typeface="Calibri"/>
+                <a:cs typeface="Calibri"/>
+                <a:sym typeface="Calibri"/>
+              </a:rPr>
+              <a:t>)</a:t>
             </a:r>
             <a:endParaRPr sz="1800">
               <a:solidFill>
@@ -27717,7 +27750,7 @@
         <p:spPr>
           <a:xfrm>
             <a:off x="838200" y="1522975"/>
-            <a:ext cx="10155000" cy="3674100"/>
+            <a:ext cx="10155000" cy="4515600"/>
           </a:xfrm>
           <a:prstGeom prst="rect">
             <a:avLst/>
@@ -27961,6 +27994,80 @@
                 <a:sym typeface="Calibri"/>
               </a:rPr>
               <a:t>Removed “Updates: RFC7950 RFC7951 RFC9254 (if approved)”</a:t>
+            </a:r>
+            <a:endParaRPr sz="1900">
+              <a:solidFill>
+                <a:schemeClr val="dk1"/>
+              </a:solidFill>
+              <a:latin typeface="Calibri"/>
+              <a:ea typeface="Calibri"/>
+              <a:cs typeface="Calibri"/>
+              <a:sym typeface="Calibri"/>
+            </a:endParaRPr>
+          </a:p>
+          <a:p>
+            <a:pPr indent="-349250" lvl="0" marL="457200" rtl="0" algn="l">
+              <a:spcBef>
+                <a:spcPts val="1000"/>
+              </a:spcBef>
+              <a:spcAft>
+                <a:spcPts val="0"/>
+              </a:spcAft>
+              <a:buClr>
+                <a:schemeClr val="dk1"/>
+              </a:buClr>
+              <a:buSzPts val="1900"/>
+              <a:buFont typeface="Calibri"/>
+              <a:buChar char="●"/>
+            </a:pPr>
+            <a:r>
+              <a:rPr lang="de-CH" sz="1900">
+                <a:solidFill>
+                  <a:schemeClr val="dk1"/>
+                </a:solidFill>
+                <a:latin typeface="Calibri"/>
+                <a:ea typeface="Calibri"/>
+                <a:cs typeface="Calibri"/>
+                <a:sym typeface="Calibri"/>
+              </a:rPr>
+              <a:t>Align examples using “ietf-interfaces” as Xpath</a:t>
+            </a:r>
+            <a:endParaRPr sz="1900">
+              <a:solidFill>
+                <a:schemeClr val="dk1"/>
+              </a:solidFill>
+              <a:latin typeface="Calibri"/>
+              <a:ea typeface="Calibri"/>
+              <a:cs typeface="Calibri"/>
+              <a:sym typeface="Calibri"/>
+            </a:endParaRPr>
+          </a:p>
+          <a:p>
+            <a:pPr indent="-349250" lvl="0" marL="457200" rtl="0" algn="l">
+              <a:spcBef>
+                <a:spcPts val="1000"/>
+              </a:spcBef>
+              <a:spcAft>
+                <a:spcPts val="0"/>
+              </a:spcAft>
+              <a:buClr>
+                <a:schemeClr val="dk1"/>
+              </a:buClr>
+              <a:buSzPts val="1900"/>
+              <a:buFont typeface="Calibri"/>
+              <a:buChar char="●"/>
+            </a:pPr>
+            <a:r>
+              <a:rPr lang="de-CH" sz="1900">
+                <a:solidFill>
+                  <a:schemeClr val="dk1"/>
+                </a:solidFill>
+                <a:latin typeface="Calibri"/>
+                <a:ea typeface="Calibri"/>
+                <a:cs typeface="Calibri"/>
+                <a:sym typeface="Calibri"/>
+              </a:rPr>
+              <a:t>Editorial explaining the examples</a:t>
             </a:r>
             <a:endParaRPr sz="1900">
               <a:solidFill>
@@ -28228,7 +28335,7 @@
                 <a:cs typeface="Calibri"/>
                 <a:sym typeface="Calibri"/>
               </a:rPr>
-              <a:t>All issues/request has been addressed</a:t>
+              <a:t>All issues/requests have been addressed</a:t>
             </a:r>
             <a:endParaRPr sz="1900">
               <a:solidFill>
@@ -28265,7 +28372,19 @@
                 <a:cs typeface="Calibri"/>
                 <a:sym typeface="Calibri"/>
               </a:rPr>
-              <a:t>Ready for WG Last Call</a:t>
+              <a:t>Starting to get r</a:t>
+            </a:r>
+            <a:r>
+              <a:rPr lang="de-CH" sz="1900">
+                <a:solidFill>
+                  <a:schemeClr val="dk1"/>
+                </a:solidFill>
+                <a:latin typeface="Calibri"/>
+                <a:ea typeface="Calibri"/>
+                <a:cs typeface="Calibri"/>
+                <a:sym typeface="Calibri"/>
+              </a:rPr>
+              <a:t>eady for WG Last Call</a:t>
             </a:r>
             <a:endParaRPr sz="1900">
               <a:solidFill>
